--- a/SpaceWar.pptx
+++ b/SpaceWar.pptx
@@ -3819,8 +3819,21 @@
             </a:pPr>
             <a:r>
               <a:rPr lang="ru-RU" dirty="0"/>
-              <a:t>При дальнейшей работе над этим проектом, я бы хотел добавить объект, который персонаж подбирает и вместо 1 пули, становится 2.</a:t>
-            </a:r>
+              <a:t>При дальнейшей работе над этим проектом, я бы хотел добавить объект, который персонаж подбирает и вместо 1 пули, становится 2</a:t>
+            </a:r>
+            <a:r>
+              <a:rPr lang="ru-RU" dirty="0" smtClean="0"/>
+              <a:t>. И я хотел бы добавить </a:t>
+            </a:r>
+            <a:r>
+              <a:rPr lang="ru-RU" dirty="0" err="1" smtClean="0"/>
+              <a:t>доп</a:t>
+            </a:r>
+            <a:r>
+              <a:rPr lang="ru-RU" dirty="0" smtClean="0"/>
+              <a:t> жизни.</a:t>
+            </a:r>
+            <a:endParaRPr lang="ru-RU" dirty="0"/>
           </a:p>
         </p:txBody>
       </p:sp>
